--- a/三角格子パズル全列挙.pptx
+++ b/三角格子パズル全列挙.pptx
@@ -4083,7 +4083,7 @@
         </p:spPr>
         <p:txBody>
           <a:bodyPr>
-            <a:normAutofit/>
+            <a:normAutofit fontScale="85000" lnSpcReduction="20000"/>
           </a:bodyPr>
           <a:lstStyle/>
           <a:p>
@@ -4108,6 +4108,13 @@
             <a:r>
               <a:rPr lang="ja-JP" altLang="en-US" dirty="0"/>
               <a:t>川上 直人</a:t>
+            </a:r>
+            <a:endParaRPr lang="en-US" altLang="ja-JP" dirty="0"/>
+          </a:p>
+          <a:p>
+            <a:r>
+              <a:rPr lang="ja-JP" altLang="en-US" dirty="0"/>
+              <a:t>上原  隆平</a:t>
             </a:r>
             <a:endParaRPr lang="en-US" altLang="ja-JP" dirty="0"/>
           </a:p>
